--- a/201840136_최현종_PHP_5주차.pptx
+++ b/201840136_최현종_PHP_5주차.pptx
@@ -125,6 +125,11 @@
       </a:defRPr>
     </a:lvl9pPr>
   </p:defaultTextStyle>
+  <p:extLst>
+    <p:ext uri="{EFAFB233-063F-42B5-8137-9DF3F51BA10A}">
+      <p15:sldGuideLst xmlns:p15="http://schemas.microsoft.com/office/powerpoint/2012/main"/>
+    </p:ext>
+  </p:extLst>
 </p:presentation>
 </file>
 
@@ -874,7 +879,7 @@
             <a:fld id="{B61BEF0D-F0BB-DE4B-95CE-6DB70DBA9567}" type="datetimeFigureOut">
               <a:rPr lang="en-US" dirty="0"/>
               <a:pPr/>
-              <a:t>10/2/2019</a:t>
+              <a:t>12/4/2019</a:t>
             </a:fld>
             <a:endParaRPr lang="en-US" dirty="0"/>
           </a:p>
@@ -1122,7 +1127,7 @@
             <a:fld id="{B61BEF0D-F0BB-DE4B-95CE-6DB70DBA9567}" type="datetimeFigureOut">
               <a:rPr lang="en-US" dirty="0"/>
               <a:pPr/>
-              <a:t>10/2/2019</a:t>
+              <a:t>12/4/2019</a:t>
             </a:fld>
             <a:endParaRPr lang="en-US" dirty="0"/>
           </a:p>
@@ -1433,7 +1438,7 @@
             <a:fld id="{B61BEF0D-F0BB-DE4B-95CE-6DB70DBA9567}" type="datetimeFigureOut">
               <a:rPr lang="en-US" dirty="0"/>
               <a:pPr/>
-              <a:t>10/2/2019</a:t>
+              <a:t>12/4/2019</a:t>
             </a:fld>
             <a:endParaRPr lang="en-US" dirty="0"/>
           </a:p>
@@ -1763,7 +1768,7 @@
             <a:fld id="{B61BEF0D-F0BB-DE4B-95CE-6DB70DBA9567}" type="datetimeFigureOut">
               <a:rPr lang="en-US" dirty="0"/>
               <a:pPr/>
-              <a:t>10/2/2019</a:t>
+              <a:t>12/4/2019</a:t>
             </a:fld>
             <a:endParaRPr lang="en-US" dirty="0"/>
           </a:p>
@@ -2074,7 +2079,7 @@
             <a:fld id="{B61BEF0D-F0BB-DE4B-95CE-6DB70DBA9567}" type="datetimeFigureOut">
               <a:rPr lang="en-US" dirty="0"/>
               <a:pPr/>
-              <a:t>10/2/2019</a:t>
+              <a:t>12/4/2019</a:t>
             </a:fld>
             <a:endParaRPr lang="en-US" dirty="0"/>
           </a:p>
@@ -2464,7 +2469,7 @@
             <a:fld id="{B61BEF0D-F0BB-DE4B-95CE-6DB70DBA9567}" type="datetimeFigureOut">
               <a:rPr lang="en-US" dirty="0"/>
               <a:pPr/>
-              <a:t>10/2/2019</a:t>
+              <a:t>12/4/2019</a:t>
             </a:fld>
             <a:endParaRPr lang="en-US" dirty="0"/>
           </a:p>
@@ -2630,7 +2635,7 @@
           <a:p>
             <a:fld id="{55C6B4A9-1611-4792-9094-5F34BCA07E0B}" type="datetimeFigureOut">
               <a:rPr lang="en-US" dirty="0"/>
-              <a:t>10/2/2019</a:t>
+              <a:t>12/4/2019</a:t>
             </a:fld>
             <a:endParaRPr lang="en-US" dirty="0"/>
           </a:p>
@@ -2806,7 +2811,7 @@
             <a:fld id="{B61BEF0D-F0BB-DE4B-95CE-6DB70DBA9567}" type="datetimeFigureOut">
               <a:rPr lang="en-US" dirty="0"/>
               <a:pPr/>
-              <a:t>10/2/2019</a:t>
+              <a:t>12/4/2019</a:t>
             </a:fld>
             <a:endParaRPr lang="en-US" dirty="0"/>
           </a:p>
@@ -2972,7 +2977,7 @@
           <a:p>
             <a:fld id="{42A54C80-263E-416B-A8E0-580EDEADCBDC}" type="datetimeFigureOut">
               <a:rPr lang="en-US" dirty="0"/>
-              <a:t>10/2/2019</a:t>
+              <a:t>12/4/2019</a:t>
             </a:fld>
             <a:endParaRPr lang="en-US" dirty="0"/>
           </a:p>
@@ -3215,7 +3220,7 @@
             <a:fld id="{B61BEF0D-F0BB-DE4B-95CE-6DB70DBA9567}" type="datetimeFigureOut">
               <a:rPr lang="en-US" dirty="0"/>
               <a:pPr/>
-              <a:t>10/2/2019</a:t>
+              <a:t>12/4/2019</a:t>
             </a:fld>
             <a:endParaRPr lang="en-US" dirty="0"/>
           </a:p>
@@ -3443,7 +3448,7 @@
           <a:p>
             <a:fld id="{42A54C80-263E-416B-A8E0-580EDEADCBDC}" type="datetimeFigureOut">
               <a:rPr lang="en-US" dirty="0"/>
-              <a:t>10/2/2019</a:t>
+              <a:t>12/4/2019</a:t>
             </a:fld>
             <a:endParaRPr lang="en-US" dirty="0"/>
           </a:p>
@@ -3813,7 +3818,7 @@
             <a:fld id="{B61BEF0D-F0BB-DE4B-95CE-6DB70DBA9567}" type="datetimeFigureOut">
               <a:rPr lang="en-US" dirty="0"/>
               <a:pPr/>
-              <a:t>10/2/2019</a:t>
+              <a:t>12/4/2019</a:t>
             </a:fld>
             <a:endParaRPr lang="en-US" dirty="0"/>
           </a:p>
@@ -3933,7 +3938,7 @@
             <a:fld id="{B61BEF0D-F0BB-DE4B-95CE-6DB70DBA9567}" type="datetimeFigureOut">
               <a:rPr lang="en-US" dirty="0"/>
               <a:pPr/>
-              <a:t>10/2/2019</a:t>
+              <a:t>12/4/2019</a:t>
             </a:fld>
             <a:endParaRPr lang="en-US" dirty="0"/>
           </a:p>
@@ -4025,7 +4030,7 @@
             <a:fld id="{B61BEF0D-F0BB-DE4B-95CE-6DB70DBA9567}" type="datetimeFigureOut">
               <a:rPr lang="en-US" dirty="0"/>
               <a:pPr/>
-              <a:t>10/2/2019</a:t>
+              <a:t>12/4/2019</a:t>
             </a:fld>
             <a:endParaRPr lang="en-US" dirty="0"/>
           </a:p>
@@ -4276,7 +4281,7 @@
           <a:p>
             <a:fld id="{42A54C80-263E-416B-A8E0-580EDEADCBDC}" type="datetimeFigureOut">
               <a:rPr lang="en-US" dirty="0"/>
-              <a:t>10/2/2019</a:t>
+              <a:t>12/4/2019</a:t>
             </a:fld>
             <a:endParaRPr lang="en-US" dirty="0"/>
           </a:p>
@@ -4578,7 +4583,7 @@
             <a:fld id="{B61BEF0D-F0BB-DE4B-95CE-6DB70DBA9567}" type="datetimeFigureOut">
               <a:rPr lang="en-US" dirty="0"/>
               <a:pPr/>
-              <a:t>10/2/2019</a:t>
+              <a:t>12/4/2019</a:t>
             </a:fld>
             <a:endParaRPr lang="en-US" dirty="0"/>
           </a:p>
@@ -5276,7 +5281,7 @@
             <a:fld id="{B61BEF0D-F0BB-DE4B-95CE-6DB70DBA9567}" type="datetimeFigureOut">
               <a:rPr lang="en-US" dirty="0"/>
               <a:pPr/>
-              <a:t>10/2/2019</a:t>
+              <a:t>12/4/2019</a:t>
             </a:fld>
             <a:endParaRPr lang="en-US" dirty="0"/>
           </a:p>
@@ -7042,12 +7047,18 @@
         </p:nvSpPr>
         <p:spPr/>
         <p:txBody>
-          <a:bodyPr/>
-          <a:lstStyle/>
-          <a:p>
-            <a:r>
-              <a:rPr lang="en-US" altLang="ko-KR" dirty="0"/>
-              <a:t>19. </a:t>
+          <a:bodyPr>
+            <a:normAutofit/>
+          </a:bodyPr>
+          <a:lstStyle/>
+          <a:p>
+            <a:r>
+              <a:rPr lang="en-US" altLang="ko-KR" dirty="0" smtClean="0"/>
+              <a:t>20</a:t>
+            </a:r>
+            <a:r>
+              <a:rPr lang="en-US" altLang="ko-KR" dirty="0" smtClean="0"/>
+              <a:t>. </a:t>
             </a:r>
             <a:r>
               <a:rPr lang="en-US" altLang="ko-KR" dirty="0" smtClean="0"/>
@@ -7450,7 +7461,6 @@
               <a:rPr lang="ko-KR" altLang="en-US" dirty="0"/>
               <a:t>의 차이</a:t>
             </a:r>
-            <a:endParaRPr lang="ko-KR" altLang="en-US" dirty="0"/>
           </a:p>
         </p:txBody>
       </p:sp>
